--- a/PoorlyAnimatedRacing/Assets/Sprites/PPT Sprite Work.pptx
+++ b/PoorlyAnimatedRacing/Assets/Sprites/PPT Sprite Work.pptx
@@ -6,6 +6,7 @@
   </p:sldMasterIdLst>
   <p:sldIdLst>
     <p:sldId id="256" r:id="rId2"/>
+    <p:sldId id="257" r:id="rId3"/>
   </p:sldIdLst>
   <p:sldSz cx="12192000" cy="6858000"/>
   <p:notesSz cx="6858000" cy="9144000"/>
@@ -104,6 +105,11 @@
       </a:defRPr>
     </a:lvl9pPr>
   </p:defaultTextStyle>
+  <p:extLst>
+    <p:ext uri="{EFAFB233-063F-42B5-8137-9DF3F51BA10A}">
+      <p15:sldGuideLst xmlns:p15="http://schemas.microsoft.com/office/powerpoint/2012/main"/>
+    </p:ext>
+  </p:extLst>
 </p:presentation>
 </file>
 
@@ -254,7 +260,7 @@
           <a:p>
             <a:fld id="{4C733BD6-8CDD-465F-AFC9-07AF0694067E}" type="datetimeFigureOut">
               <a:rPr lang="en-US" smtClean="0"/>
-              <a:t>2/8/2019</a:t>
+              <a:t>2/10/2019</a:t>
             </a:fld>
             <a:endParaRPr lang="en-US"/>
           </a:p>
@@ -452,7 +458,7 @@
           <a:p>
             <a:fld id="{4C733BD6-8CDD-465F-AFC9-07AF0694067E}" type="datetimeFigureOut">
               <a:rPr lang="en-US" smtClean="0"/>
-              <a:t>2/8/2019</a:t>
+              <a:t>2/10/2019</a:t>
             </a:fld>
             <a:endParaRPr lang="en-US"/>
           </a:p>
@@ -660,7 +666,7 @@
           <a:p>
             <a:fld id="{4C733BD6-8CDD-465F-AFC9-07AF0694067E}" type="datetimeFigureOut">
               <a:rPr lang="en-US" smtClean="0"/>
-              <a:t>2/8/2019</a:t>
+              <a:t>2/10/2019</a:t>
             </a:fld>
             <a:endParaRPr lang="en-US"/>
           </a:p>
@@ -858,7 +864,7 @@
           <a:p>
             <a:fld id="{4C733BD6-8CDD-465F-AFC9-07AF0694067E}" type="datetimeFigureOut">
               <a:rPr lang="en-US" smtClean="0"/>
-              <a:t>2/8/2019</a:t>
+              <a:t>2/10/2019</a:t>
             </a:fld>
             <a:endParaRPr lang="en-US"/>
           </a:p>
@@ -1133,7 +1139,7 @@
           <a:p>
             <a:fld id="{4C733BD6-8CDD-465F-AFC9-07AF0694067E}" type="datetimeFigureOut">
               <a:rPr lang="en-US" smtClean="0"/>
-              <a:t>2/8/2019</a:t>
+              <a:t>2/10/2019</a:t>
             </a:fld>
             <a:endParaRPr lang="en-US"/>
           </a:p>
@@ -1398,7 +1404,7 @@
           <a:p>
             <a:fld id="{4C733BD6-8CDD-465F-AFC9-07AF0694067E}" type="datetimeFigureOut">
               <a:rPr lang="en-US" smtClean="0"/>
-              <a:t>2/8/2019</a:t>
+              <a:t>2/10/2019</a:t>
             </a:fld>
             <a:endParaRPr lang="en-US"/>
           </a:p>
@@ -1810,7 +1816,7 @@
           <a:p>
             <a:fld id="{4C733BD6-8CDD-465F-AFC9-07AF0694067E}" type="datetimeFigureOut">
               <a:rPr lang="en-US" smtClean="0"/>
-              <a:t>2/8/2019</a:t>
+              <a:t>2/10/2019</a:t>
             </a:fld>
             <a:endParaRPr lang="en-US"/>
           </a:p>
@@ -1951,7 +1957,7 @@
           <a:p>
             <a:fld id="{4C733BD6-8CDD-465F-AFC9-07AF0694067E}" type="datetimeFigureOut">
               <a:rPr lang="en-US" smtClean="0"/>
-              <a:t>2/8/2019</a:t>
+              <a:t>2/10/2019</a:t>
             </a:fld>
             <a:endParaRPr lang="en-US"/>
           </a:p>
@@ -2064,7 +2070,7 @@
           <a:p>
             <a:fld id="{4C733BD6-8CDD-465F-AFC9-07AF0694067E}" type="datetimeFigureOut">
               <a:rPr lang="en-US" smtClean="0"/>
-              <a:t>2/8/2019</a:t>
+              <a:t>2/10/2019</a:t>
             </a:fld>
             <a:endParaRPr lang="en-US"/>
           </a:p>
@@ -2375,7 +2381,7 @@
           <a:p>
             <a:fld id="{4C733BD6-8CDD-465F-AFC9-07AF0694067E}" type="datetimeFigureOut">
               <a:rPr lang="en-US" smtClean="0"/>
-              <a:t>2/8/2019</a:t>
+              <a:t>2/10/2019</a:t>
             </a:fld>
             <a:endParaRPr lang="en-US"/>
           </a:p>
@@ -2663,7 +2669,7 @@
           <a:p>
             <a:fld id="{4C733BD6-8CDD-465F-AFC9-07AF0694067E}" type="datetimeFigureOut">
               <a:rPr lang="en-US" smtClean="0"/>
-              <a:t>2/8/2019</a:t>
+              <a:t>2/10/2019</a:t>
             </a:fld>
             <a:endParaRPr lang="en-US"/>
           </a:p>
@@ -2904,7 +2910,7 @@
           <a:p>
             <a:fld id="{4C733BD6-8CDD-465F-AFC9-07AF0694067E}" type="datetimeFigureOut">
               <a:rPr lang="en-US" smtClean="0"/>
-              <a:t>2/8/2019</a:t>
+              <a:t>2/10/2019</a:t>
             </a:fld>
             <a:endParaRPr lang="en-US"/>
           </a:p>
@@ -5839,10 +5845,483 @@
           </a:p>
         </p:txBody>
       </p:sp>
+      <p:sp>
+        <p:nvSpPr>
+          <p:cNvPr id="2" name="Oval 1">
+            <a:extLst>
+              <a:ext uri="{FF2B5EF4-FFF2-40B4-BE49-F238E27FC236}">
+                <a16:creationId xmlns:a16="http://schemas.microsoft.com/office/drawing/2014/main" id="{2ECD969D-0BC8-40FB-8583-D2E0890218B8}"/>
+              </a:ext>
+            </a:extLst>
+          </p:cNvPr>
+          <p:cNvSpPr/>
+          <p:nvPr/>
+        </p:nvSpPr>
+        <p:spPr>
+          <a:xfrm>
+            <a:off x="9725025" y="3224014"/>
+            <a:ext cx="914400" cy="914400"/>
+          </a:xfrm>
+          <a:prstGeom prst="ellipse">
+            <a:avLst/>
+          </a:prstGeom>
+          <a:solidFill>
+            <a:srgbClr val="FFFF00"/>
+          </a:solidFill>
+          <a:ln>
+            <a:solidFill>
+              <a:srgbClr val="CC9900"/>
+            </a:solidFill>
+          </a:ln>
+        </p:spPr>
+        <p:style>
+          <a:lnRef idx="2">
+            <a:schemeClr val="accent1">
+              <a:shade val="50000"/>
+            </a:schemeClr>
+          </a:lnRef>
+          <a:fillRef idx="1">
+            <a:schemeClr val="accent1"/>
+          </a:fillRef>
+          <a:effectRef idx="0">
+            <a:schemeClr val="accent1"/>
+          </a:effectRef>
+          <a:fontRef idx="minor">
+            <a:schemeClr val="lt1"/>
+          </a:fontRef>
+        </p:style>
+        <p:txBody>
+          <a:bodyPr rtlCol="0" anchor="ctr"/>
+          <a:lstStyle/>
+          <a:p>
+            <a:pPr algn="ctr"/>
+            <a:r>
+              <a:rPr lang="en-US" sz="7200" b="1" dirty="0">
+                <a:solidFill>
+                  <a:srgbClr val="CC9900"/>
+                </a:solidFill>
+                <a:latin typeface="Cambria Math" panose="02040503050406030204" pitchFamily="18" charset="0"/>
+                <a:ea typeface="Cambria Math" panose="02040503050406030204" pitchFamily="18" charset="0"/>
+              </a:rPr>
+              <a:t>B</a:t>
+            </a:r>
+          </a:p>
+        </p:txBody>
+      </p:sp>
+      <p:sp>
+        <p:nvSpPr>
+          <p:cNvPr id="5" name="Rectangle 4">
+            <a:extLst>
+              <a:ext uri="{FF2B5EF4-FFF2-40B4-BE49-F238E27FC236}">
+                <a16:creationId xmlns:a16="http://schemas.microsoft.com/office/drawing/2014/main" id="{1059A271-AAAC-4AEB-B7C4-3A2174E5AC0B}"/>
+              </a:ext>
+            </a:extLst>
+          </p:cNvPr>
+          <p:cNvSpPr/>
+          <p:nvPr/>
+        </p:nvSpPr>
+        <p:spPr>
+          <a:xfrm>
+            <a:off x="10051446" y="3293714"/>
+            <a:ext cx="48370" cy="142875"/>
+          </a:xfrm>
+          <a:prstGeom prst="rect">
+            <a:avLst/>
+          </a:prstGeom>
+          <a:solidFill>
+            <a:srgbClr val="CC9900"/>
+          </a:solidFill>
+          <a:ln>
+            <a:solidFill>
+              <a:srgbClr val="CC9900"/>
+            </a:solidFill>
+          </a:ln>
+        </p:spPr>
+        <p:style>
+          <a:lnRef idx="2">
+            <a:schemeClr val="accent1">
+              <a:shade val="50000"/>
+            </a:schemeClr>
+          </a:lnRef>
+          <a:fillRef idx="1">
+            <a:schemeClr val="accent1"/>
+          </a:fillRef>
+          <a:effectRef idx="0">
+            <a:schemeClr val="accent1"/>
+          </a:effectRef>
+          <a:fontRef idx="minor">
+            <a:schemeClr val="lt1"/>
+          </a:fontRef>
+        </p:style>
+        <p:txBody>
+          <a:bodyPr rtlCol="0" anchor="ctr"/>
+          <a:lstStyle/>
+          <a:p>
+            <a:pPr algn="ctr"/>
+            <a:endParaRPr lang="en-US"/>
+          </a:p>
+        </p:txBody>
+      </p:sp>
+      <p:sp>
+        <p:nvSpPr>
+          <p:cNvPr id="68" name="Rectangle 67">
+            <a:extLst>
+              <a:ext uri="{FF2B5EF4-FFF2-40B4-BE49-F238E27FC236}">
+                <a16:creationId xmlns:a16="http://schemas.microsoft.com/office/drawing/2014/main" id="{17684D37-C4F0-45E9-A868-1FB5A84CD63E}"/>
+              </a:ext>
+            </a:extLst>
+          </p:cNvPr>
+          <p:cNvSpPr/>
+          <p:nvPr/>
+        </p:nvSpPr>
+        <p:spPr>
+          <a:xfrm>
+            <a:off x="10169525" y="3293714"/>
+            <a:ext cx="48370" cy="142875"/>
+          </a:xfrm>
+          <a:prstGeom prst="rect">
+            <a:avLst/>
+          </a:prstGeom>
+          <a:solidFill>
+            <a:srgbClr val="CC9900"/>
+          </a:solidFill>
+          <a:ln>
+            <a:solidFill>
+              <a:srgbClr val="CC9900"/>
+            </a:solidFill>
+          </a:ln>
+        </p:spPr>
+        <p:style>
+          <a:lnRef idx="2">
+            <a:schemeClr val="accent1">
+              <a:shade val="50000"/>
+            </a:schemeClr>
+          </a:lnRef>
+          <a:fillRef idx="1">
+            <a:schemeClr val="accent1"/>
+          </a:fillRef>
+          <a:effectRef idx="0">
+            <a:schemeClr val="accent1"/>
+          </a:effectRef>
+          <a:fontRef idx="minor">
+            <a:schemeClr val="lt1"/>
+          </a:fontRef>
+        </p:style>
+        <p:txBody>
+          <a:bodyPr rtlCol="0" anchor="ctr"/>
+          <a:lstStyle/>
+          <a:p>
+            <a:pPr algn="ctr"/>
+            <a:endParaRPr lang="en-US"/>
+          </a:p>
+        </p:txBody>
+      </p:sp>
+      <p:sp>
+        <p:nvSpPr>
+          <p:cNvPr id="69" name="Rectangle 68">
+            <a:extLst>
+              <a:ext uri="{FF2B5EF4-FFF2-40B4-BE49-F238E27FC236}">
+                <a16:creationId xmlns:a16="http://schemas.microsoft.com/office/drawing/2014/main" id="{874F5D91-745E-49DA-AF7A-BB542CCD9506}"/>
+              </a:ext>
+            </a:extLst>
+          </p:cNvPr>
+          <p:cNvSpPr/>
+          <p:nvPr/>
+        </p:nvSpPr>
+        <p:spPr>
+          <a:xfrm>
+            <a:off x="10051446" y="4005702"/>
+            <a:ext cx="48370" cy="91440"/>
+          </a:xfrm>
+          <a:prstGeom prst="rect">
+            <a:avLst/>
+          </a:prstGeom>
+          <a:solidFill>
+            <a:srgbClr val="CC9900"/>
+          </a:solidFill>
+          <a:ln>
+            <a:solidFill>
+              <a:srgbClr val="CC9900"/>
+            </a:solidFill>
+          </a:ln>
+        </p:spPr>
+        <p:style>
+          <a:lnRef idx="2">
+            <a:schemeClr val="accent1">
+              <a:shade val="50000"/>
+            </a:schemeClr>
+          </a:lnRef>
+          <a:fillRef idx="1">
+            <a:schemeClr val="accent1"/>
+          </a:fillRef>
+          <a:effectRef idx="0">
+            <a:schemeClr val="accent1"/>
+          </a:effectRef>
+          <a:fontRef idx="minor">
+            <a:schemeClr val="lt1"/>
+          </a:fontRef>
+        </p:style>
+        <p:txBody>
+          <a:bodyPr rtlCol="0" anchor="ctr"/>
+          <a:lstStyle/>
+          <a:p>
+            <a:pPr algn="ctr"/>
+            <a:endParaRPr lang="en-US"/>
+          </a:p>
+        </p:txBody>
+      </p:sp>
+      <p:sp>
+        <p:nvSpPr>
+          <p:cNvPr id="70" name="Rectangle 69">
+            <a:extLst>
+              <a:ext uri="{FF2B5EF4-FFF2-40B4-BE49-F238E27FC236}">
+                <a16:creationId xmlns:a16="http://schemas.microsoft.com/office/drawing/2014/main" id="{356ADE44-656B-451D-BD91-8FE0E25A23FC}"/>
+              </a:ext>
+            </a:extLst>
+          </p:cNvPr>
+          <p:cNvSpPr/>
+          <p:nvPr/>
+        </p:nvSpPr>
+        <p:spPr>
+          <a:xfrm>
+            <a:off x="10169525" y="4005702"/>
+            <a:ext cx="48370" cy="91440"/>
+          </a:xfrm>
+          <a:prstGeom prst="rect">
+            <a:avLst/>
+          </a:prstGeom>
+          <a:solidFill>
+            <a:srgbClr val="CC9900"/>
+          </a:solidFill>
+          <a:ln>
+            <a:solidFill>
+              <a:srgbClr val="CC9900"/>
+            </a:solidFill>
+          </a:ln>
+        </p:spPr>
+        <p:style>
+          <a:lnRef idx="2">
+            <a:schemeClr val="accent1">
+              <a:shade val="50000"/>
+            </a:schemeClr>
+          </a:lnRef>
+          <a:fillRef idx="1">
+            <a:schemeClr val="accent1"/>
+          </a:fillRef>
+          <a:effectRef idx="0">
+            <a:schemeClr val="accent1"/>
+          </a:effectRef>
+          <a:fontRef idx="minor">
+            <a:schemeClr val="lt1"/>
+          </a:fontRef>
+        </p:style>
+        <p:txBody>
+          <a:bodyPr rtlCol="0" anchor="ctr"/>
+          <a:lstStyle/>
+          <a:p>
+            <a:pPr algn="ctr"/>
+            <a:endParaRPr lang="en-US"/>
+          </a:p>
+        </p:txBody>
+      </p:sp>
+      <p:pic>
+        <p:nvPicPr>
+          <p:cNvPr id="6" name="Picture 5">
+            <a:extLst>
+              <a:ext uri="{FF2B5EF4-FFF2-40B4-BE49-F238E27FC236}">
+                <a16:creationId xmlns:a16="http://schemas.microsoft.com/office/drawing/2014/main" id="{5253F00A-CFE3-4DED-BE0F-8911AC848471}"/>
+              </a:ext>
+            </a:extLst>
+          </p:cNvPr>
+          <p:cNvPicPr>
+            <a:picLocks noChangeAspect="1"/>
+          </p:cNvPicPr>
+          <p:nvPr/>
+        </p:nvPicPr>
+        <p:blipFill rotWithShape="1">
+          <a:blip r:embed="rId2">
+            <a:extLst>
+              <a:ext uri="{28A0092B-C50C-407E-A947-70E740481C1C}">
+                <a14:useLocalDpi xmlns:a14="http://schemas.microsoft.com/office/drawing/2010/main" val="0"/>
+              </a:ext>
+            </a:extLst>
+          </a:blip>
+          <a:srcRect l="22256" t="19078" r="21389" b="32593"/>
+          <a:stretch/>
+        </p:blipFill>
+        <p:spPr>
+          <a:xfrm>
+            <a:off x="7762875" y="5722144"/>
+            <a:ext cx="931063" cy="931069"/>
+          </a:xfrm>
+          <a:prstGeom prst="rect">
+            <a:avLst/>
+          </a:prstGeom>
+        </p:spPr>
+      </p:pic>
     </p:spTree>
     <p:extLst>
       <p:ext uri="{BB962C8B-B14F-4D97-AF65-F5344CB8AC3E}">
         <p14:creationId xmlns:p14="http://schemas.microsoft.com/office/powerpoint/2010/main" val="2247107852"/>
+      </p:ext>
+    </p:extLst>
+  </p:cSld>
+  <p:clrMapOvr>
+    <a:masterClrMapping/>
+  </p:clrMapOvr>
+</p:sld>
+</file>
+
+<file path=ppt/slides/slide2.xml><?xml version="1.0" encoding="utf-8"?>
+<p:sld xmlns:a="http://schemas.openxmlformats.org/drawingml/2006/main" xmlns:r="http://schemas.openxmlformats.org/officeDocument/2006/relationships" xmlns:p="http://schemas.openxmlformats.org/presentationml/2006/main">
+  <p:cSld>
+    <p:spTree>
+      <p:nvGrpSpPr>
+        <p:cNvPr id="1" name=""/>
+        <p:cNvGrpSpPr/>
+        <p:nvPr/>
+      </p:nvGrpSpPr>
+      <p:grpSpPr>
+        <a:xfrm>
+          <a:off x="0" y="0"/>
+          <a:ext cx="0" cy="0"/>
+          <a:chOff x="0" y="0"/>
+          <a:chExt cx="0" cy="0"/>
+        </a:xfrm>
+      </p:grpSpPr>
+      <p:sp>
+        <p:nvSpPr>
+          <p:cNvPr id="4" name="Rectangle 3">
+            <a:extLst>
+              <a:ext uri="{FF2B5EF4-FFF2-40B4-BE49-F238E27FC236}">
+                <a16:creationId xmlns:a16="http://schemas.microsoft.com/office/drawing/2014/main" id="{0C2F2227-6DB5-4622-ADE2-6A602C256033}"/>
+              </a:ext>
+            </a:extLst>
+          </p:cNvPr>
+          <p:cNvSpPr/>
+          <p:nvPr/>
+        </p:nvSpPr>
+        <p:spPr>
+          <a:xfrm>
+            <a:off x="0" y="0"/>
+            <a:ext cx="4932761" cy="923330"/>
+          </a:xfrm>
+          <a:prstGeom prst="rect">
+            <a:avLst/>
+          </a:prstGeom>
+          <a:noFill/>
+        </p:spPr>
+        <p:txBody>
+          <a:bodyPr wrap="none" lIns="91440" tIns="45720" rIns="91440" bIns="45720">
+            <a:spAutoFit/>
+          </a:bodyPr>
+          <a:lstStyle/>
+          <a:p>
+            <a:pPr algn="ctr"/>
+            <a:r>
+              <a:rPr lang="en-US" sz="5400" b="1" dirty="0">
+                <a:ln w="12700">
+                  <a:solidFill>
+                    <a:srgbClr val="CC9900"/>
+                  </a:solidFill>
+                  <a:prstDash val="solid"/>
+                </a:ln>
+                <a:solidFill>
+                  <a:srgbClr val="FFFF00"/>
+                </a:solidFill>
+                <a:effectLst>
+                  <a:innerShdw blurRad="177800">
+                    <a:schemeClr val="accent3">
+                      <a:lumMod val="50000"/>
+                    </a:schemeClr>
+                  </a:innerShdw>
+                </a:effectLst>
+              </a:rPr>
+              <a:t>Out of Money </a:t>
+            </a:r>
+            <a:r>
+              <a:rPr lang="en-US" sz="5400" b="1" dirty="0">
+                <a:ln w="12700">
+                  <a:solidFill>
+                    <a:srgbClr val="CC9900"/>
+                  </a:solidFill>
+                  <a:prstDash val="solid"/>
+                </a:ln>
+                <a:solidFill>
+                  <a:srgbClr val="FFFF00"/>
+                </a:solidFill>
+                <a:effectLst>
+                  <a:innerShdw blurRad="177800">
+                    <a:schemeClr val="accent3">
+                      <a:lumMod val="50000"/>
+                    </a:schemeClr>
+                  </a:innerShdw>
+                </a:effectLst>
+                <a:sym typeface="Wingdings" panose="05000000000000000000" pitchFamily="2" charset="2"/>
+              </a:rPr>
+              <a:t></a:t>
+            </a:r>
+          </a:p>
+        </p:txBody>
+      </p:sp>
+      <p:sp>
+        <p:nvSpPr>
+          <p:cNvPr id="3" name="Rectangle 2">
+            <a:extLst>
+              <a:ext uri="{FF2B5EF4-FFF2-40B4-BE49-F238E27FC236}">
+                <a16:creationId xmlns:a16="http://schemas.microsoft.com/office/drawing/2014/main" id="{D510FCE7-47CE-43B0-A303-7E9C64CFF9E9}"/>
+              </a:ext>
+            </a:extLst>
+          </p:cNvPr>
+          <p:cNvSpPr/>
+          <p:nvPr/>
+        </p:nvSpPr>
+        <p:spPr>
+          <a:xfrm>
+            <a:off x="5611955" y="2967335"/>
+            <a:ext cx="1816524" cy="923330"/>
+          </a:xfrm>
+          <a:prstGeom prst="rect">
+            <a:avLst/>
+          </a:prstGeom>
+          <a:noFill/>
+        </p:spPr>
+        <p:txBody>
+          <a:bodyPr wrap="square" lIns="91440" tIns="45720" rIns="91440" bIns="45720">
+            <a:spAutoFit/>
+          </a:bodyPr>
+          <a:lstStyle/>
+          <a:p>
+            <a:pPr algn="ctr"/>
+            <a:r>
+              <a:rPr lang="en-US" sz="5400" b="1" dirty="0">
+                <a:ln w="12700">
+                  <a:solidFill>
+                    <a:srgbClr val="CC9900"/>
+                  </a:solidFill>
+                  <a:prstDash val="solid"/>
+                </a:ln>
+                <a:solidFill>
+                  <a:srgbClr val="FFFF00"/>
+                </a:solidFill>
+                <a:effectLst>
+                  <a:innerShdw blurRad="177800">
+                    <a:schemeClr val="accent3">
+                      <a:lumMod val="50000"/>
+                    </a:schemeClr>
+                  </a:innerShdw>
+                </a:effectLst>
+                <a:sym typeface="Wingdings" panose="05000000000000000000" pitchFamily="2" charset="2"/>
+              </a:rPr>
+              <a:t>NOPE</a:t>
+            </a:r>
+          </a:p>
+        </p:txBody>
+      </p:sp>
+    </p:spTree>
+    <p:extLst>
+      <p:ext uri="{BB962C8B-B14F-4D97-AF65-F5344CB8AC3E}">
+        <p14:creationId xmlns:p14="http://schemas.microsoft.com/office/powerpoint/2010/main" val="4091942664"/>
       </p:ext>
     </p:extLst>
   </p:cSld>

--- a/PoorlyAnimatedRacing/Assets/Sprites/PPT Sprite Work.pptx
+++ b/PoorlyAnimatedRacing/Assets/Sprites/PPT Sprite Work.pptx
@@ -260,7 +260,7 @@
           <a:p>
             <a:fld id="{4C733BD6-8CDD-465F-AFC9-07AF0694067E}" type="datetimeFigureOut">
               <a:rPr lang="en-US" smtClean="0"/>
-              <a:t>2/10/2019</a:t>
+              <a:t>2/15/2019</a:t>
             </a:fld>
             <a:endParaRPr lang="en-US"/>
           </a:p>
@@ -458,7 +458,7 @@
           <a:p>
             <a:fld id="{4C733BD6-8CDD-465F-AFC9-07AF0694067E}" type="datetimeFigureOut">
               <a:rPr lang="en-US" smtClean="0"/>
-              <a:t>2/10/2019</a:t>
+              <a:t>2/15/2019</a:t>
             </a:fld>
             <a:endParaRPr lang="en-US"/>
           </a:p>
@@ -666,7 +666,7 @@
           <a:p>
             <a:fld id="{4C733BD6-8CDD-465F-AFC9-07AF0694067E}" type="datetimeFigureOut">
               <a:rPr lang="en-US" smtClean="0"/>
-              <a:t>2/10/2019</a:t>
+              <a:t>2/15/2019</a:t>
             </a:fld>
             <a:endParaRPr lang="en-US"/>
           </a:p>
@@ -864,7 +864,7 @@
           <a:p>
             <a:fld id="{4C733BD6-8CDD-465F-AFC9-07AF0694067E}" type="datetimeFigureOut">
               <a:rPr lang="en-US" smtClean="0"/>
-              <a:t>2/10/2019</a:t>
+              <a:t>2/15/2019</a:t>
             </a:fld>
             <a:endParaRPr lang="en-US"/>
           </a:p>
@@ -1139,7 +1139,7 @@
           <a:p>
             <a:fld id="{4C733BD6-8CDD-465F-AFC9-07AF0694067E}" type="datetimeFigureOut">
               <a:rPr lang="en-US" smtClean="0"/>
-              <a:t>2/10/2019</a:t>
+              <a:t>2/15/2019</a:t>
             </a:fld>
             <a:endParaRPr lang="en-US"/>
           </a:p>
@@ -1404,7 +1404,7 @@
           <a:p>
             <a:fld id="{4C733BD6-8CDD-465F-AFC9-07AF0694067E}" type="datetimeFigureOut">
               <a:rPr lang="en-US" smtClean="0"/>
-              <a:t>2/10/2019</a:t>
+              <a:t>2/15/2019</a:t>
             </a:fld>
             <a:endParaRPr lang="en-US"/>
           </a:p>
@@ -1816,7 +1816,7 @@
           <a:p>
             <a:fld id="{4C733BD6-8CDD-465F-AFC9-07AF0694067E}" type="datetimeFigureOut">
               <a:rPr lang="en-US" smtClean="0"/>
-              <a:t>2/10/2019</a:t>
+              <a:t>2/15/2019</a:t>
             </a:fld>
             <a:endParaRPr lang="en-US"/>
           </a:p>
@@ -1957,7 +1957,7 @@
           <a:p>
             <a:fld id="{4C733BD6-8CDD-465F-AFC9-07AF0694067E}" type="datetimeFigureOut">
               <a:rPr lang="en-US" smtClean="0"/>
-              <a:t>2/10/2019</a:t>
+              <a:t>2/15/2019</a:t>
             </a:fld>
             <a:endParaRPr lang="en-US"/>
           </a:p>
@@ -2070,7 +2070,7 @@
           <a:p>
             <a:fld id="{4C733BD6-8CDD-465F-AFC9-07AF0694067E}" type="datetimeFigureOut">
               <a:rPr lang="en-US" smtClean="0"/>
-              <a:t>2/10/2019</a:t>
+              <a:t>2/15/2019</a:t>
             </a:fld>
             <a:endParaRPr lang="en-US"/>
           </a:p>
@@ -2381,7 +2381,7 @@
           <a:p>
             <a:fld id="{4C733BD6-8CDD-465F-AFC9-07AF0694067E}" type="datetimeFigureOut">
               <a:rPr lang="en-US" smtClean="0"/>
-              <a:t>2/10/2019</a:t>
+              <a:t>2/15/2019</a:t>
             </a:fld>
             <a:endParaRPr lang="en-US"/>
           </a:p>
@@ -2669,7 +2669,7 @@
           <a:p>
             <a:fld id="{4C733BD6-8CDD-465F-AFC9-07AF0694067E}" type="datetimeFigureOut">
               <a:rPr lang="en-US" smtClean="0"/>
-              <a:t>2/10/2019</a:t>
+              <a:t>2/15/2019</a:t>
             </a:fld>
             <a:endParaRPr lang="en-US"/>
           </a:p>
@@ -2910,7 +2910,7 @@
           <a:p>
             <a:fld id="{4C733BD6-8CDD-465F-AFC9-07AF0694067E}" type="datetimeFigureOut">
               <a:rPr lang="en-US" smtClean="0"/>
-              <a:t>2/10/2019</a:t>
+              <a:t>2/15/2019</a:t>
             </a:fld>
             <a:endParaRPr lang="en-US"/>
           </a:p>
@@ -5418,9 +5418,9 @@
             <a:avLst/>
           </a:prstGeom>
           <a:noFill/>
-          <a:ln w="38100">
+          <a:ln w="57150">
             <a:solidFill>
-              <a:srgbClr val="00FF00"/>
+              <a:srgbClr val="FF0000"/>
             </a:solidFill>
           </a:ln>
         </p:spPr>
@@ -5470,9 +5470,9 @@
             <a:avLst/>
           </a:prstGeom>
           <a:noFill/>
-          <a:ln w="38100">
+          <a:ln w="57150">
             <a:solidFill>
-              <a:srgbClr val="00FF00"/>
+              <a:srgbClr val="FF0000"/>
             </a:solidFill>
           </a:ln>
         </p:spPr>

--- a/PoorlyAnimatedRacing/Assets/Sprites/PPT Sprite Work.pptx
+++ b/PoorlyAnimatedRacing/Assets/Sprites/PPT Sprite Work.pptx
@@ -260,7 +260,7 @@
           <a:p>
             <a:fld id="{4C733BD6-8CDD-465F-AFC9-07AF0694067E}" type="datetimeFigureOut">
               <a:rPr lang="en-US" smtClean="0"/>
-              <a:t>2/15/2019</a:t>
+              <a:t>2/24/2019</a:t>
             </a:fld>
             <a:endParaRPr lang="en-US"/>
           </a:p>
@@ -458,7 +458,7 @@
           <a:p>
             <a:fld id="{4C733BD6-8CDD-465F-AFC9-07AF0694067E}" type="datetimeFigureOut">
               <a:rPr lang="en-US" smtClean="0"/>
-              <a:t>2/15/2019</a:t>
+              <a:t>2/24/2019</a:t>
             </a:fld>
             <a:endParaRPr lang="en-US"/>
           </a:p>
@@ -666,7 +666,7 @@
           <a:p>
             <a:fld id="{4C733BD6-8CDD-465F-AFC9-07AF0694067E}" type="datetimeFigureOut">
               <a:rPr lang="en-US" smtClean="0"/>
-              <a:t>2/15/2019</a:t>
+              <a:t>2/24/2019</a:t>
             </a:fld>
             <a:endParaRPr lang="en-US"/>
           </a:p>
@@ -864,7 +864,7 @@
           <a:p>
             <a:fld id="{4C733BD6-8CDD-465F-AFC9-07AF0694067E}" type="datetimeFigureOut">
               <a:rPr lang="en-US" smtClean="0"/>
-              <a:t>2/15/2019</a:t>
+              <a:t>2/24/2019</a:t>
             </a:fld>
             <a:endParaRPr lang="en-US"/>
           </a:p>
@@ -1139,7 +1139,7 @@
           <a:p>
             <a:fld id="{4C733BD6-8CDD-465F-AFC9-07AF0694067E}" type="datetimeFigureOut">
               <a:rPr lang="en-US" smtClean="0"/>
-              <a:t>2/15/2019</a:t>
+              <a:t>2/24/2019</a:t>
             </a:fld>
             <a:endParaRPr lang="en-US"/>
           </a:p>
@@ -1404,7 +1404,7 @@
           <a:p>
             <a:fld id="{4C733BD6-8CDD-465F-AFC9-07AF0694067E}" type="datetimeFigureOut">
               <a:rPr lang="en-US" smtClean="0"/>
-              <a:t>2/15/2019</a:t>
+              <a:t>2/24/2019</a:t>
             </a:fld>
             <a:endParaRPr lang="en-US"/>
           </a:p>
@@ -1816,7 +1816,7 @@
           <a:p>
             <a:fld id="{4C733BD6-8CDD-465F-AFC9-07AF0694067E}" type="datetimeFigureOut">
               <a:rPr lang="en-US" smtClean="0"/>
-              <a:t>2/15/2019</a:t>
+              <a:t>2/24/2019</a:t>
             </a:fld>
             <a:endParaRPr lang="en-US"/>
           </a:p>
@@ -1957,7 +1957,7 @@
           <a:p>
             <a:fld id="{4C733BD6-8CDD-465F-AFC9-07AF0694067E}" type="datetimeFigureOut">
               <a:rPr lang="en-US" smtClean="0"/>
-              <a:t>2/15/2019</a:t>
+              <a:t>2/24/2019</a:t>
             </a:fld>
             <a:endParaRPr lang="en-US"/>
           </a:p>
@@ -2070,7 +2070,7 @@
           <a:p>
             <a:fld id="{4C733BD6-8CDD-465F-AFC9-07AF0694067E}" type="datetimeFigureOut">
               <a:rPr lang="en-US" smtClean="0"/>
-              <a:t>2/15/2019</a:t>
+              <a:t>2/24/2019</a:t>
             </a:fld>
             <a:endParaRPr lang="en-US"/>
           </a:p>
@@ -2381,7 +2381,7 @@
           <a:p>
             <a:fld id="{4C733BD6-8CDD-465F-AFC9-07AF0694067E}" type="datetimeFigureOut">
               <a:rPr lang="en-US" smtClean="0"/>
-              <a:t>2/15/2019</a:t>
+              <a:t>2/24/2019</a:t>
             </a:fld>
             <a:endParaRPr lang="en-US"/>
           </a:p>
@@ -2669,7 +2669,7 @@
           <a:p>
             <a:fld id="{4C733BD6-8CDD-465F-AFC9-07AF0694067E}" type="datetimeFigureOut">
               <a:rPr lang="en-US" smtClean="0"/>
-              <a:t>2/15/2019</a:t>
+              <a:t>2/24/2019</a:t>
             </a:fld>
             <a:endParaRPr lang="en-US"/>
           </a:p>
@@ -2910,7 +2910,7 @@
           <a:p>
             <a:fld id="{4C733BD6-8CDD-465F-AFC9-07AF0694067E}" type="datetimeFigureOut">
               <a:rPr lang="en-US" smtClean="0"/>
-              <a:t>2/15/2019</a:t>
+              <a:t>2/24/2019</a:t>
             </a:fld>
             <a:endParaRPr lang="en-US"/>
           </a:p>
@@ -5736,6 +5736,9 @@
           <a:prstGeom prst="flowChartExtract">
             <a:avLst/>
           </a:prstGeom>
+          <a:solidFill>
+            <a:srgbClr val="FFC000"/>
+          </a:solidFill>
           <a:ln w="44450" cmpd="thickThin">
             <a:solidFill>
               <a:schemeClr val="bg1"/>
@@ -5765,11 +5768,17 @@
             <a:pPr algn="ctr"/>
             <a:r>
               <a:rPr lang="en-US" sz="6600" b="1" dirty="0">
+                <a:solidFill>
+                  <a:schemeClr val="tx1">
+                    <a:lumMod val="75000"/>
+                    <a:lumOff val="25000"/>
+                  </a:schemeClr>
+                </a:solidFill>
                 <a:latin typeface="Ebrima" panose="02000000000000000000" pitchFamily="2" charset="0"/>
                 <a:ea typeface="Ebrima" panose="02000000000000000000" pitchFamily="2" charset="0"/>
                 <a:cs typeface="Ebrima" panose="02000000000000000000" pitchFamily="2" charset="0"/>
               </a:rPr>
-              <a:t>J</a:t>
+              <a:t>R</a:t>
             </a:r>
           </a:p>
         </p:txBody>
